--- a/Реквизит/Презентация.pptx
+++ b/Реквизит/Презентация.pptx
@@ -11,8 +11,11 @@
     <p:sldId id="258" r:id="rId5"/>
     <p:sldId id="260" r:id="rId6"/>
     <p:sldId id="259" r:id="rId7"/>
-    <p:sldId id="261" r:id="rId8"/>
-    <p:sldId id="263" r:id="rId9"/>
+    <p:sldId id="264" r:id="rId8"/>
+    <p:sldId id="261" r:id="rId9"/>
+    <p:sldId id="265" r:id="rId10"/>
+    <p:sldId id="266" r:id="rId11"/>
+    <p:sldId id="263" r:id="rId12"/>
   </p:sldIdLst>
   <p:sldSz cx="12192000" cy="6858000"/>
   <p:notesSz cx="6858000" cy="9144000"/>
@@ -841,7 +844,7 @@
           <a:p>
             <a:fld id="{F747616C-3466-4DE6-8D75-2EBCF538963B}" type="datetimeFigureOut">
               <a:rPr lang="ru-RU" smtClean="0"/>
-              <a:t>11.05.2023</a:t>
+              <a:t>07.06.2023</a:t>
             </a:fld>
             <a:endParaRPr lang="ru-RU"/>
           </a:p>
@@ -1092,7 +1095,7 @@
           <a:p>
             <a:fld id="{F747616C-3466-4DE6-8D75-2EBCF538963B}" type="datetimeFigureOut">
               <a:rPr lang="ru-RU" smtClean="0"/>
-              <a:t>11.05.2023</a:t>
+              <a:t>07.06.2023</a:t>
             </a:fld>
             <a:endParaRPr lang="ru-RU"/>
           </a:p>
@@ -1406,7 +1409,7 @@
           <a:p>
             <a:fld id="{F747616C-3466-4DE6-8D75-2EBCF538963B}" type="datetimeFigureOut">
               <a:rPr lang="ru-RU" smtClean="0"/>
-              <a:t>11.05.2023</a:t>
+              <a:t>07.06.2023</a:t>
             </a:fld>
             <a:endParaRPr lang="ru-RU"/>
           </a:p>
@@ -1747,7 +1750,7 @@
           <a:p>
             <a:fld id="{F747616C-3466-4DE6-8D75-2EBCF538963B}" type="datetimeFigureOut">
               <a:rPr lang="ru-RU" smtClean="0"/>
-              <a:t>11.05.2023</a:t>
+              <a:t>07.06.2023</a:t>
             </a:fld>
             <a:endParaRPr lang="ru-RU"/>
           </a:p>
@@ -2061,7 +2064,7 @@
           <a:p>
             <a:fld id="{F747616C-3466-4DE6-8D75-2EBCF538963B}" type="datetimeFigureOut">
               <a:rPr lang="ru-RU" smtClean="0"/>
-              <a:t>11.05.2023</a:t>
+              <a:t>07.06.2023</a:t>
             </a:fld>
             <a:endParaRPr lang="ru-RU"/>
           </a:p>
@@ -2454,7 +2457,7 @@
           <a:p>
             <a:fld id="{F747616C-3466-4DE6-8D75-2EBCF538963B}" type="datetimeFigureOut">
               <a:rPr lang="ru-RU" smtClean="0"/>
-              <a:t>11.05.2023</a:t>
+              <a:t>07.06.2023</a:t>
             </a:fld>
             <a:endParaRPr lang="ru-RU"/>
           </a:p>
@@ -2624,7 +2627,7 @@
           <a:p>
             <a:fld id="{F747616C-3466-4DE6-8D75-2EBCF538963B}" type="datetimeFigureOut">
               <a:rPr lang="ru-RU" smtClean="0"/>
-              <a:t>11.05.2023</a:t>
+              <a:t>07.06.2023</a:t>
             </a:fld>
             <a:endParaRPr lang="ru-RU"/>
           </a:p>
@@ -2804,7 +2807,7 @@
           <a:p>
             <a:fld id="{F747616C-3466-4DE6-8D75-2EBCF538963B}" type="datetimeFigureOut">
               <a:rPr lang="ru-RU" smtClean="0"/>
-              <a:t>11.05.2023</a:t>
+              <a:t>07.06.2023</a:t>
             </a:fld>
             <a:endParaRPr lang="ru-RU"/>
           </a:p>
@@ -2980,7 +2983,7 @@
           <a:p>
             <a:fld id="{F747616C-3466-4DE6-8D75-2EBCF538963B}" type="datetimeFigureOut">
               <a:rPr lang="ru-RU" smtClean="0"/>
-              <a:t>11.05.2023</a:t>
+              <a:t>07.06.2023</a:t>
             </a:fld>
             <a:endParaRPr lang="ru-RU"/>
           </a:p>
@@ -3227,7 +3230,7 @@
           <a:p>
             <a:fld id="{F747616C-3466-4DE6-8D75-2EBCF538963B}" type="datetimeFigureOut">
               <a:rPr lang="ru-RU" smtClean="0"/>
-              <a:t>11.05.2023</a:t>
+              <a:t>07.06.2023</a:t>
             </a:fld>
             <a:endParaRPr lang="ru-RU"/>
           </a:p>
@@ -3459,7 +3462,7 @@
           <a:p>
             <a:fld id="{F747616C-3466-4DE6-8D75-2EBCF538963B}" type="datetimeFigureOut">
               <a:rPr lang="ru-RU" smtClean="0"/>
-              <a:t>11.05.2023</a:t>
+              <a:t>07.06.2023</a:t>
             </a:fld>
             <a:endParaRPr lang="ru-RU"/>
           </a:p>
@@ -3833,7 +3836,7 @@
           <a:p>
             <a:fld id="{F747616C-3466-4DE6-8D75-2EBCF538963B}" type="datetimeFigureOut">
               <a:rPr lang="ru-RU" smtClean="0"/>
-              <a:t>11.05.2023</a:t>
+              <a:t>07.06.2023</a:t>
             </a:fld>
             <a:endParaRPr lang="ru-RU"/>
           </a:p>
@@ -3956,7 +3959,7 @@
           <a:p>
             <a:fld id="{F747616C-3466-4DE6-8D75-2EBCF538963B}" type="datetimeFigureOut">
               <a:rPr lang="ru-RU" smtClean="0"/>
-              <a:t>11.05.2023</a:t>
+              <a:t>07.06.2023</a:t>
             </a:fld>
             <a:endParaRPr lang="ru-RU"/>
           </a:p>
@@ -4051,7 +4054,7 @@
           <a:p>
             <a:fld id="{F747616C-3466-4DE6-8D75-2EBCF538963B}" type="datetimeFigureOut">
               <a:rPr lang="ru-RU" smtClean="0"/>
-              <a:t>11.05.2023</a:t>
+              <a:t>07.06.2023</a:t>
             </a:fld>
             <a:endParaRPr lang="ru-RU"/>
           </a:p>
@@ -4306,7 +4309,7 @@
           <a:p>
             <a:fld id="{F747616C-3466-4DE6-8D75-2EBCF538963B}" type="datetimeFigureOut">
               <a:rPr lang="ru-RU" smtClean="0"/>
-              <a:t>11.05.2023</a:t>
+              <a:t>07.06.2023</a:t>
             </a:fld>
             <a:endParaRPr lang="ru-RU"/>
           </a:p>
@@ -4569,7 +4572,7 @@
           <a:p>
             <a:fld id="{F747616C-3466-4DE6-8D75-2EBCF538963B}" type="datetimeFigureOut">
               <a:rPr lang="ru-RU" smtClean="0"/>
-              <a:t>11.05.2023</a:t>
+              <a:t>07.06.2023</a:t>
             </a:fld>
             <a:endParaRPr lang="ru-RU"/>
           </a:p>
@@ -5312,7 +5315,7 @@
           <a:p>
             <a:fld id="{F747616C-3466-4DE6-8D75-2EBCF538963B}" type="datetimeFigureOut">
               <a:rPr lang="ru-RU" smtClean="0"/>
-              <a:t>11.05.2023</a:t>
+              <a:t>07.06.2023</a:t>
             </a:fld>
             <a:endParaRPr lang="ru-RU"/>
           </a:p>
@@ -5863,7 +5866,7 @@
             </a:r>
             <a:r>
               <a:rPr lang="en-US" dirty="0"/>
-              <a:t>:”</a:t>
+              <a:t>: ”</a:t>
             </a:r>
             <a:r>
               <a:rPr lang="ru-RU" dirty="0"/>
@@ -5948,6 +5951,324 @@
   <p:clrMapOvr>
     <a:masterClrMapping/>
   </p:clrMapOvr>
+</p:sld>
+</file>
+
+<file path=ppt/slides/slide10.xml><?xml version="1.0" encoding="utf-8"?>
+<p:sld xmlns:a="http://schemas.openxmlformats.org/drawingml/2006/main" xmlns:r="http://schemas.openxmlformats.org/officeDocument/2006/relationships" xmlns:p="http://schemas.openxmlformats.org/presentationml/2006/main">
+  <p:cSld>
+    <p:spTree>
+      <p:nvGrpSpPr>
+        <p:cNvPr id="1" name=""/>
+        <p:cNvGrpSpPr/>
+        <p:nvPr/>
+      </p:nvGrpSpPr>
+      <p:grpSpPr>
+        <a:xfrm>
+          <a:off x="0" y="0"/>
+          <a:ext cx="0" cy="0"/>
+          <a:chOff x="0" y="0"/>
+          <a:chExt cx="0" cy="0"/>
+        </a:xfrm>
+      </p:grpSpPr>
+      <p:sp>
+        <p:nvSpPr>
+          <p:cNvPr id="2" name="Заголовок 1">
+            <a:extLst>
+              <a:ext uri="{FF2B5EF4-FFF2-40B4-BE49-F238E27FC236}">
+                <a16:creationId xmlns:a16="http://schemas.microsoft.com/office/drawing/2014/main" id="{028C24D7-B88C-4299-98FD-EA28038F5578}"/>
+              </a:ext>
+            </a:extLst>
+          </p:cNvPr>
+          <p:cNvSpPr>
+            <a:spLocks noGrp="1"/>
+          </p:cNvSpPr>
+          <p:nvPr>
+            <p:ph type="title"/>
+          </p:nvPr>
+        </p:nvSpPr>
+        <p:spPr/>
+        <p:txBody>
+          <a:bodyPr/>
+          <a:lstStyle/>
+          <a:p>
+            <a:r>
+              <a:rPr lang="ru-RU" dirty="0"/>
+              <a:t>Конструктор </a:t>
+            </a:r>
+            <a:r>
+              <a:rPr lang="ru-RU" dirty="0" err="1"/>
+              <a:t>квизов</a:t>
+            </a:r>
+            <a:endParaRPr lang="ru-RU" dirty="0"/>
+          </a:p>
+        </p:txBody>
+      </p:sp>
+      <p:pic>
+        <p:nvPicPr>
+          <p:cNvPr id="4" name="Объект 3">
+            <a:extLst>
+              <a:ext uri="{FF2B5EF4-FFF2-40B4-BE49-F238E27FC236}">
+                <a16:creationId xmlns:a16="http://schemas.microsoft.com/office/drawing/2014/main" id="{DD486988-78A0-4771-ADEB-87858B3022DF}"/>
+              </a:ext>
+            </a:extLst>
+          </p:cNvPr>
+          <p:cNvPicPr>
+            <a:picLocks noGrp="1" noChangeAspect="1"/>
+          </p:cNvPicPr>
+          <p:nvPr>
+            <p:ph idx="1"/>
+          </p:nvPr>
+        </p:nvPicPr>
+        <p:blipFill>
+          <a:blip r:embed="rId2"/>
+          <a:stretch>
+            <a:fillRect/>
+          </a:stretch>
+        </p:blipFill>
+        <p:spPr>
+          <a:xfrm>
+            <a:off x="313878" y="1668410"/>
+            <a:ext cx="8596312" cy="523980"/>
+          </a:xfrm>
+          <a:prstGeom prst="snip2DiagRect">
+            <a:avLst/>
+          </a:prstGeom>
+          <a:solidFill>
+            <a:srgbClr val="FFFFFF">
+              <a:shade val="85000"/>
+            </a:srgbClr>
+          </a:solidFill>
+          <a:ln w="88900" cap="sq">
+            <a:solidFill>
+              <a:srgbClr val="FFFFFF"/>
+            </a:solidFill>
+            <a:miter lim="800000"/>
+          </a:ln>
+          <a:effectLst>
+            <a:outerShdw blurRad="88900" algn="tl" rotWithShape="0">
+              <a:srgbClr val="000000">
+                <a:alpha val="45000"/>
+              </a:srgbClr>
+            </a:outerShdw>
+          </a:effectLst>
+          <a:scene3d>
+            <a:camera prst="orthographicFront"/>
+            <a:lightRig rig="twoPt" dir="t">
+              <a:rot lat="0" lon="0" rev="7200000"/>
+            </a:lightRig>
+          </a:scene3d>
+          <a:sp3d>
+            <a:bevelT w="25400" h="19050"/>
+            <a:contourClr>
+              <a:srgbClr val="FFFFFF"/>
+            </a:contourClr>
+          </a:sp3d>
+        </p:spPr>
+      </p:pic>
+      <p:pic>
+        <p:nvPicPr>
+          <p:cNvPr id="5" name="Рисунок 4">
+            <a:extLst>
+              <a:ext uri="{FF2B5EF4-FFF2-40B4-BE49-F238E27FC236}">
+                <a16:creationId xmlns:a16="http://schemas.microsoft.com/office/drawing/2014/main" id="{AC9DA761-60F2-4041-A041-9A63911AE1AF}"/>
+              </a:ext>
+            </a:extLst>
+          </p:cNvPr>
+          <p:cNvPicPr>
+            <a:picLocks noChangeAspect="1"/>
+          </p:cNvPicPr>
+          <p:nvPr/>
+        </p:nvPicPr>
+        <p:blipFill>
+          <a:blip r:embed="rId3"/>
+          <a:stretch>
+            <a:fillRect/>
+          </a:stretch>
+        </p:blipFill>
+        <p:spPr>
+          <a:xfrm>
+            <a:off x="1147475" y="2387390"/>
+            <a:ext cx="3464559" cy="4381831"/>
+          </a:xfrm>
+          <a:prstGeom prst="rect">
+            <a:avLst/>
+          </a:prstGeom>
+          <a:effectLst>
+            <a:outerShdw blurRad="50800" dist="38100" dir="13500000" algn="br" rotWithShape="0">
+              <a:prstClr val="black">
+                <a:alpha val="40000"/>
+              </a:prstClr>
+            </a:outerShdw>
+          </a:effectLst>
+        </p:spPr>
+      </p:pic>
+      <p:pic>
+        <p:nvPicPr>
+          <p:cNvPr id="6" name="Рисунок 5">
+            <a:extLst>
+              <a:ext uri="{FF2B5EF4-FFF2-40B4-BE49-F238E27FC236}">
+                <a16:creationId xmlns:a16="http://schemas.microsoft.com/office/drawing/2014/main" id="{8643B8FD-E0EE-4E3F-9C83-5B192BD92251}"/>
+              </a:ext>
+            </a:extLst>
+          </p:cNvPr>
+          <p:cNvPicPr>
+            <a:picLocks noChangeAspect="1"/>
+          </p:cNvPicPr>
+          <p:nvPr/>
+        </p:nvPicPr>
+        <p:blipFill>
+          <a:blip r:embed="rId4"/>
+          <a:stretch>
+            <a:fillRect/>
+          </a:stretch>
+        </p:blipFill>
+        <p:spPr>
+          <a:xfrm>
+            <a:off x="4892540" y="2891813"/>
+            <a:ext cx="3760614" cy="3547595"/>
+          </a:xfrm>
+          <a:prstGeom prst="rect">
+            <a:avLst/>
+          </a:prstGeom>
+          <a:effectLst>
+            <a:outerShdw blurRad="50800" dist="38100" dir="13500000" algn="br" rotWithShape="0">
+              <a:prstClr val="black">
+                <a:alpha val="40000"/>
+              </a:prstClr>
+            </a:outerShdw>
+          </a:effectLst>
+        </p:spPr>
+      </p:pic>
+    </p:spTree>
+    <p:extLst>
+      <p:ext uri="{BB962C8B-B14F-4D97-AF65-F5344CB8AC3E}">
+        <p14:creationId xmlns:p14="http://schemas.microsoft.com/office/powerpoint/2010/main" val="1549958719"/>
+      </p:ext>
+    </p:extLst>
+  </p:cSld>
+  <p:clrMapOvr>
+    <a:masterClrMapping/>
+  </p:clrMapOvr>
+</p:sld>
+</file>
+
+<file path=ppt/slides/slide11.xml><?xml version="1.0" encoding="utf-8"?>
+<p:sld xmlns:a="http://schemas.openxmlformats.org/drawingml/2006/main" xmlns:r="http://schemas.openxmlformats.org/officeDocument/2006/relationships" xmlns:p="http://schemas.openxmlformats.org/presentationml/2006/main">
+  <p:cSld>
+    <p:spTree>
+      <p:nvGrpSpPr>
+        <p:cNvPr id="1" name=""/>
+        <p:cNvGrpSpPr/>
+        <p:nvPr/>
+      </p:nvGrpSpPr>
+      <p:grpSpPr>
+        <a:xfrm>
+          <a:off x="0" y="0"/>
+          <a:ext cx="0" cy="0"/>
+          <a:chOff x="0" y="0"/>
+          <a:chExt cx="0" cy="0"/>
+        </a:xfrm>
+      </p:grpSpPr>
+      <p:sp>
+        <p:nvSpPr>
+          <p:cNvPr id="2" name="Заголовок 1">
+            <a:extLst>
+              <a:ext uri="{FF2B5EF4-FFF2-40B4-BE49-F238E27FC236}">
+                <a16:creationId xmlns:a16="http://schemas.microsoft.com/office/drawing/2014/main" id="{6886D8DA-B927-464F-A1E0-8A523579B713}"/>
+              </a:ext>
+            </a:extLst>
+          </p:cNvPr>
+          <p:cNvSpPr>
+            <a:spLocks noGrp="1"/>
+          </p:cNvSpPr>
+          <p:nvPr>
+            <p:ph type="title"/>
+          </p:nvPr>
+        </p:nvSpPr>
+        <p:spPr>
+          <a:xfrm>
+            <a:off x="3163081" y="2778957"/>
+            <a:ext cx="5146418" cy="1300085"/>
+          </a:xfrm>
+        </p:spPr>
+        <p:txBody>
+          <a:bodyPr/>
+          <a:lstStyle/>
+          <a:p>
+            <a:endParaRPr lang="ru-RU" dirty="0"/>
+          </a:p>
+        </p:txBody>
+      </p:sp>
+      <p:pic>
+        <p:nvPicPr>
+          <p:cNvPr id="2050" name="Picture 2" descr="https://cdn.discordapp.com/attachments/1103210130708893726/1115865004969824266/c436f46020bf72e7.jpg">
+            <a:extLst>
+              <a:ext uri="{FF2B5EF4-FFF2-40B4-BE49-F238E27FC236}">
+                <a16:creationId xmlns:a16="http://schemas.microsoft.com/office/drawing/2014/main" id="{E4A6A15E-3B3A-4B9F-9F2E-60B007B0D443}"/>
+              </a:ext>
+            </a:extLst>
+          </p:cNvPr>
+          <p:cNvPicPr>
+            <a:picLocks noChangeAspect="1" noChangeArrowheads="1"/>
+          </p:cNvPicPr>
+          <p:nvPr/>
+        </p:nvPicPr>
+        <p:blipFill>
+          <a:blip r:embed="rId2">
+            <a:extLst>
+              <a:ext uri="{28A0092B-C50C-407E-A947-70E740481C1C}">
+                <a14:useLocalDpi xmlns:a14="http://schemas.microsoft.com/office/drawing/2010/main" val="0"/>
+              </a:ext>
+            </a:extLst>
+          </a:blip>
+          <a:srcRect/>
+          <a:stretch>
+            <a:fillRect/>
+          </a:stretch>
+        </p:blipFill>
+        <p:spPr bwMode="auto">
+          <a:xfrm>
+            <a:off x="0" y="0"/>
+            <a:ext cx="12191999" cy="7135091"/>
+          </a:xfrm>
+          <a:prstGeom prst="rect">
+            <a:avLst/>
+          </a:prstGeom>
+          <a:noFill/>
+          <a:extLst>
+            <a:ext uri="{909E8E84-426E-40DD-AFC4-6F175D3DCCD1}">
+              <a14:hiddenFill xmlns:a14="http://schemas.microsoft.com/office/drawing/2010/main">
+                <a:solidFill>
+                  <a:srgbClr val="FFFFFF"/>
+                </a:solidFill>
+              </a14:hiddenFill>
+            </a:ext>
+          </a:extLst>
+        </p:spPr>
+      </p:pic>
+    </p:spTree>
+    <p:extLst>
+      <p:ext uri="{BB962C8B-B14F-4D97-AF65-F5344CB8AC3E}">
+        <p14:creationId xmlns:p14="http://schemas.microsoft.com/office/powerpoint/2010/main" val="4179106292"/>
+      </p:ext>
+    </p:extLst>
+  </p:cSld>
+  <p:clrMapOvr>
+    <a:masterClrMapping/>
+  </p:clrMapOvr>
+  <mc:AlternateContent xmlns:mc="http://schemas.openxmlformats.org/markup-compatibility/2006">
+    <mc:Choice xmlns:p14="http://schemas.microsoft.com/office/powerpoint/2010/main" Requires="p14">
+      <p:transition spd="slow">
+        <p14:flash/>
+      </p:transition>
+    </mc:Choice>
+    <mc:Fallback>
+      <p:transition spd="slow">
+        <p:fade/>
+      </p:transition>
+    </mc:Fallback>
+  </mc:AlternateContent>
 </p:sld>
 </file>
 
@@ -5993,7 +6314,7 @@
           <a:p>
             <a:r>
               <a:rPr lang="ru-RU" dirty="0"/>
-              <a:t>Задачи</a:t>
+              <a:t>Содержание</a:t>
             </a:r>
           </a:p>
         </p:txBody>
@@ -6016,13 +6337,13 @@
         </p:nvSpPr>
         <p:spPr>
           <a:xfrm>
-            <a:off x="677334" y="2208214"/>
+            <a:off x="677334" y="1930400"/>
             <a:ext cx="8596668" cy="3880773"/>
           </a:xfrm>
         </p:spPr>
         <p:txBody>
           <a:bodyPr>
-            <a:normAutofit fontScale="92500" lnSpcReduction="10000"/>
+            <a:normAutofit/>
           </a:bodyPr>
           <a:lstStyle/>
           <a:p>
@@ -6035,54 +6356,42 @@
             <a:pPr fontAlgn="base"/>
             <a:r>
               <a:rPr lang="ru-RU" dirty="0"/>
-              <a:t>путь юзера</a:t>
+              <a:t>1. Путь пользователя</a:t>
             </a:r>
           </a:p>
           <a:p>
             <a:pPr fontAlgn="base"/>
             <a:r>
               <a:rPr lang="ru-RU" dirty="0"/>
-              <a:t>схема </a:t>
-            </a:r>
-            <a:r>
-              <a:rPr lang="ru-RU" dirty="0" err="1"/>
-              <a:t>бд</a:t>
-            </a:r>
-            <a:endParaRPr lang="ru-RU" dirty="0"/>
+              <a:t>2. Схема базы данных</a:t>
+            </a:r>
           </a:p>
           <a:p>
             <a:pPr fontAlgn="base"/>
             <a:r>
               <a:rPr lang="ru-RU" dirty="0"/>
-              <a:t>путь юзера</a:t>
+              <a:t>3. Задачи в команде</a:t>
             </a:r>
           </a:p>
           <a:p>
             <a:pPr fontAlgn="base"/>
             <a:r>
               <a:rPr lang="ru-RU" dirty="0"/>
-              <a:t>задачи в команде</a:t>
+              <a:t>4. Дизайн продукта</a:t>
             </a:r>
           </a:p>
           <a:p>
             <a:pPr fontAlgn="base"/>
             <a:r>
               <a:rPr lang="ru-RU" dirty="0"/>
-              <a:t>прототип и/или дизайн продукта</a:t>
+              <a:t>5. Примеры кода</a:t>
             </a:r>
           </a:p>
           <a:p>
             <a:pPr fontAlgn="base"/>
             <a:r>
               <a:rPr lang="ru-RU" dirty="0"/>
-              <a:t>пример(ы) кода</a:t>
-            </a:r>
-          </a:p>
-          <a:p>
-            <a:pPr fontAlgn="base"/>
-            <a:r>
-              <a:rPr lang="ru-RU" dirty="0"/>
-              <a:t>сам продукт</a:t>
+              <a:t>6. Конец :с</a:t>
             </a:r>
           </a:p>
           <a:p>
@@ -6169,10 +6478,10 @@
       </p:sp>
       <p:pic>
         <p:nvPicPr>
-          <p:cNvPr id="7" name="Рисунок 6">
+          <p:cNvPr id="3" name="Рисунок 2">
             <a:extLst>
               <a:ext uri="{FF2B5EF4-FFF2-40B4-BE49-F238E27FC236}">
-                <a16:creationId xmlns:a16="http://schemas.microsoft.com/office/drawing/2014/main" id="{54004EB3-165C-4D4D-B209-BA4DC7BEF99D}"/>
+                <a16:creationId xmlns:a16="http://schemas.microsoft.com/office/drawing/2014/main" id="{4020AE6C-639F-40BD-A83B-ACED3328824F}"/>
               </a:ext>
             </a:extLst>
           </p:cNvPr>
@@ -6189,8 +6498,8 @@
         </p:blipFill>
         <p:spPr>
           <a:xfrm>
-            <a:off x="790087" y="1304150"/>
-            <a:ext cx="6992326" cy="5553850"/>
+            <a:off x="455854" y="1454938"/>
+            <a:ext cx="8688012" cy="5048955"/>
           </a:xfrm>
           <a:prstGeom prst="rect">
             <a:avLst/>
@@ -6389,7 +6698,7 @@
         </p:blipFill>
         <p:spPr>
           <a:xfrm>
-            <a:off x="2266950" y="2000340"/>
+            <a:off x="2311339" y="1725132"/>
             <a:ext cx="4810125" cy="4632236"/>
           </a:xfrm>
           <a:prstGeom prst="rect">
@@ -6522,7 +6831,7 @@
           <p:cNvPr id="2" name="Заголовок 1">
             <a:extLst>
               <a:ext uri="{FF2B5EF4-FFF2-40B4-BE49-F238E27FC236}">
-                <a16:creationId xmlns:a16="http://schemas.microsoft.com/office/drawing/2014/main" id="{F89BA1F0-9C35-40BE-B022-E45BA4BACFDF}"/>
+                <a16:creationId xmlns:a16="http://schemas.microsoft.com/office/drawing/2014/main" id="{1EB8E88C-6933-4D54-ADA9-607ED7AC0FFB}"/>
               </a:ext>
             </a:extLst>
           </p:cNvPr>
@@ -6540,26 +6849,54 @@
           <a:p>
             <a:r>
               <a:rPr lang="ru-RU" dirty="0"/>
-              <a:t>Пример кода</a:t>
-            </a:r>
+              <a:t>Дизайн конструктора </a:t>
+            </a:r>
+            <a:r>
+              <a:rPr lang="ru-RU" dirty="0" err="1"/>
+              <a:t>квизов</a:t>
+            </a:r>
+            <a:endParaRPr lang="ru-RU" dirty="0"/>
+          </a:p>
+        </p:txBody>
+      </p:sp>
+      <p:sp>
+        <p:nvSpPr>
+          <p:cNvPr id="3" name="Объект 2">
+            <a:extLst>
+              <a:ext uri="{FF2B5EF4-FFF2-40B4-BE49-F238E27FC236}">
+                <a16:creationId xmlns:a16="http://schemas.microsoft.com/office/drawing/2014/main" id="{CB02463B-A94C-4CF6-A86A-846BEEACB8B6}"/>
+              </a:ext>
+            </a:extLst>
+          </p:cNvPr>
+          <p:cNvSpPr>
+            <a:spLocks noGrp="1"/>
+          </p:cNvSpPr>
+          <p:nvPr>
+            <p:ph idx="1"/>
+          </p:nvPr>
+        </p:nvSpPr>
+        <p:spPr/>
+        <p:txBody>
+          <a:bodyPr/>
+          <a:lstStyle/>
+          <a:p>
+            <a:endParaRPr lang="ru-RU"/>
           </a:p>
         </p:txBody>
       </p:sp>
       <p:pic>
         <p:nvPicPr>
-          <p:cNvPr id="7" name="Объект 6">
+          <p:cNvPr id="5" name="Рисунок 4">
             <a:extLst>
               <a:ext uri="{FF2B5EF4-FFF2-40B4-BE49-F238E27FC236}">
-                <a16:creationId xmlns:a16="http://schemas.microsoft.com/office/drawing/2014/main" id="{F0B89027-896A-4D71-8350-6A9E1AC8D6AC}"/>
+                <a16:creationId xmlns:a16="http://schemas.microsoft.com/office/drawing/2014/main" id="{E618A094-6487-4B1F-9226-56BC1D475E11}"/>
               </a:ext>
             </a:extLst>
           </p:cNvPr>
           <p:cNvPicPr>
-            <a:picLocks noGrp="1" noChangeAspect="1"/>
+            <a:picLocks noChangeAspect="1"/>
           </p:cNvPicPr>
-          <p:nvPr>
-            <p:ph idx="1"/>
-          </p:nvPr>
+          <p:nvPr/>
         </p:nvPicPr>
         <p:blipFill>
           <a:blip r:embed="rId2"/>
@@ -6569,8 +6906,8 @@
         </p:blipFill>
         <p:spPr>
           <a:xfrm>
-            <a:off x="1750585" y="1877730"/>
-            <a:ext cx="2568587" cy="4980270"/>
+            <a:off x="333030" y="1460161"/>
+            <a:ext cx="4469789" cy="2352520"/>
           </a:xfrm>
           <a:prstGeom prst="rect">
             <a:avLst/>
@@ -6579,10 +6916,10 @@
       </p:pic>
       <p:pic>
         <p:nvPicPr>
-          <p:cNvPr id="8" name="Рисунок 7">
+          <p:cNvPr id="6" name="Рисунок 5">
             <a:extLst>
               <a:ext uri="{FF2B5EF4-FFF2-40B4-BE49-F238E27FC236}">
-                <a16:creationId xmlns:a16="http://schemas.microsoft.com/office/drawing/2014/main" id="{F6DACDD5-2DBE-457B-AF9B-5BC423FC67BA}"/>
+                <a16:creationId xmlns:a16="http://schemas.microsoft.com/office/drawing/2014/main" id="{EE32135D-3E10-482C-B55D-CA326EB71D00}"/>
               </a:ext>
             </a:extLst>
           </p:cNvPr>
@@ -6599,8 +6936,38 @@
         </p:blipFill>
         <p:spPr>
           <a:xfrm>
-            <a:off x="4319172" y="1877730"/>
-            <a:ext cx="3192033" cy="4980270"/>
+            <a:off x="5275904" y="1452015"/>
+            <a:ext cx="4519671" cy="2368812"/>
+          </a:xfrm>
+          <a:prstGeom prst="rect">
+            <a:avLst/>
+          </a:prstGeom>
+        </p:spPr>
+      </p:pic>
+      <p:pic>
+        <p:nvPicPr>
+          <p:cNvPr id="7" name="Рисунок 6">
+            <a:extLst>
+              <a:ext uri="{FF2B5EF4-FFF2-40B4-BE49-F238E27FC236}">
+                <a16:creationId xmlns:a16="http://schemas.microsoft.com/office/drawing/2014/main" id="{5C689228-BA4E-4312-B4B0-EDC2286D1653}"/>
+              </a:ext>
+            </a:extLst>
+          </p:cNvPr>
+          <p:cNvPicPr>
+            <a:picLocks noChangeAspect="1"/>
+          </p:cNvPicPr>
+          <p:nvPr/>
+        </p:nvPicPr>
+        <p:blipFill>
+          <a:blip r:embed="rId4"/>
+          <a:stretch>
+            <a:fillRect/>
+          </a:stretch>
+        </p:blipFill>
+        <p:spPr>
+          <a:xfrm>
+            <a:off x="2730002" y="4100975"/>
+            <a:ext cx="4623268" cy="2352520"/>
           </a:xfrm>
           <a:prstGeom prst="rect">
             <a:avLst/>
@@ -6610,7 +6977,7 @@
     </p:spTree>
     <p:extLst>
       <p:ext uri="{BB962C8B-B14F-4D97-AF65-F5344CB8AC3E}">
-        <p14:creationId xmlns:p14="http://schemas.microsoft.com/office/powerpoint/2010/main" val="1061408904"/>
+        <p14:creationId xmlns:p14="http://schemas.microsoft.com/office/powerpoint/2010/main" val="1127757044"/>
       </p:ext>
     </p:extLst>
   </p:cSld>
@@ -6642,7 +7009,7 @@
           <p:cNvPr id="2" name="Заголовок 1">
             <a:extLst>
               <a:ext uri="{FF2B5EF4-FFF2-40B4-BE49-F238E27FC236}">
-                <a16:creationId xmlns:a16="http://schemas.microsoft.com/office/drawing/2014/main" id="{6886D8DA-B927-464F-A1E0-8A523579B713}"/>
+                <a16:creationId xmlns:a16="http://schemas.microsoft.com/office/drawing/2014/main" id="{F89BA1F0-9C35-40BE-B022-E45BA4BACFDF}"/>
               </a:ext>
             </a:extLst>
           </p:cNvPr>
@@ -6653,27 +7020,334 @@
             <p:ph type="title"/>
           </p:nvPr>
         </p:nvSpPr>
-        <p:spPr>
+        <p:spPr/>
+        <p:txBody>
+          <a:bodyPr/>
+          <a:lstStyle/>
+          <a:p>
+            <a:r>
+              <a:rPr lang="ru-RU" dirty="0"/>
+              <a:t>Регистрация</a:t>
+            </a:r>
+          </a:p>
+        </p:txBody>
+      </p:sp>
+      <p:sp>
+        <p:nvSpPr>
+          <p:cNvPr id="4" name="Объект 3">
+            <a:extLst>
+              <a:ext uri="{FF2B5EF4-FFF2-40B4-BE49-F238E27FC236}">
+                <a16:creationId xmlns:a16="http://schemas.microsoft.com/office/drawing/2014/main" id="{41F82CD7-1D00-4589-9B60-C2085A1E7E2E}"/>
+              </a:ext>
+            </a:extLst>
+          </p:cNvPr>
+          <p:cNvSpPr>
+            <a:spLocks noGrp="1"/>
+          </p:cNvSpPr>
+          <p:nvPr>
+            <p:ph idx="1"/>
+          </p:nvPr>
+        </p:nvSpPr>
+        <p:spPr/>
+        <p:txBody>
+          <a:bodyPr/>
+          <a:lstStyle/>
+          <a:p>
+            <a:endParaRPr lang="ru-RU" dirty="0"/>
+          </a:p>
+        </p:txBody>
+      </p:sp>
+      <p:pic>
+        <p:nvPicPr>
+          <p:cNvPr id="1026" name="Picture 2" descr="https://cdn.discordapp.com/attachments/1115509243190181929/1115858987322191902/image.png">
+            <a:extLst>
+              <a:ext uri="{FF2B5EF4-FFF2-40B4-BE49-F238E27FC236}">
+                <a16:creationId xmlns:a16="http://schemas.microsoft.com/office/drawing/2014/main" id="{64A25F36-4FD6-4C6C-968D-279B1BE89F68}"/>
+              </a:ext>
+            </a:extLst>
+          </p:cNvPr>
+          <p:cNvPicPr>
+            <a:picLocks noChangeAspect="1" noChangeArrowheads="1"/>
+          </p:cNvPicPr>
+          <p:nvPr/>
+        </p:nvPicPr>
+        <p:blipFill>
+          <a:blip r:embed="rId2">
+            <a:extLst>
+              <a:ext uri="{28A0092B-C50C-407E-A947-70E740481C1C}">
+                <a14:useLocalDpi xmlns:a14="http://schemas.microsoft.com/office/drawing/2010/main" val="0"/>
+              </a:ext>
+            </a:extLst>
+          </a:blip>
+          <a:srcRect/>
+          <a:stretch>
+            <a:fillRect/>
+          </a:stretch>
+        </p:blipFill>
+        <p:spPr bwMode="auto">
           <a:xfrm>
-            <a:off x="3163081" y="2778957"/>
-            <a:ext cx="5146418" cy="1300085"/>
+            <a:off x="259344" y="1418783"/>
+            <a:ext cx="5317308" cy="3137936"/>
           </a:xfrm>
+          <a:prstGeom prst="rect">
+            <a:avLst/>
+          </a:prstGeom>
+          <a:noFill/>
+          <a:effectLst>
+            <a:outerShdw blurRad="50800" dist="38100" dir="13500000" algn="br" rotWithShape="0">
+              <a:prstClr val="black">
+                <a:alpha val="40000"/>
+              </a:prstClr>
+            </a:outerShdw>
+          </a:effectLst>
+          <a:extLst>
+            <a:ext uri="{909E8E84-426E-40DD-AFC4-6F175D3DCCD1}">
+              <a14:hiddenFill xmlns:a14="http://schemas.microsoft.com/office/drawing/2010/main">
+                <a:solidFill>
+                  <a:srgbClr val="FFFFFF"/>
+                </a:solidFill>
+              </a14:hiddenFill>
+            </a:ext>
+          </a:extLst>
         </p:spPr>
-        <p:txBody>
-          <a:bodyPr/>
-          <a:lstStyle/>
-          <a:p>
-            <a:r>
-              <a:rPr lang="ru-RU" dirty="0"/>
-              <a:t>Спасибо за внимание!</a:t>
-            </a:r>
-          </a:p>
-        </p:txBody>
-      </p:sp>
+      </p:pic>
+      <p:pic>
+        <p:nvPicPr>
+          <p:cNvPr id="1028" name="Picture 4" descr="https://cdn.discordapp.com/attachments/1115509243190181929/1115858987657723935/image.png">
+            <a:extLst>
+              <a:ext uri="{FF2B5EF4-FFF2-40B4-BE49-F238E27FC236}">
+                <a16:creationId xmlns:a16="http://schemas.microsoft.com/office/drawing/2014/main" id="{01215318-EB65-49D6-A54C-5D0637E03F89}"/>
+              </a:ext>
+            </a:extLst>
+          </p:cNvPr>
+          <p:cNvPicPr>
+            <a:picLocks noChangeAspect="1" noChangeArrowheads="1"/>
+          </p:cNvPicPr>
+          <p:nvPr/>
+        </p:nvPicPr>
+        <p:blipFill>
+          <a:blip r:embed="rId3">
+            <a:extLst>
+              <a:ext uri="{28A0092B-C50C-407E-A947-70E740481C1C}">
+                <a14:useLocalDpi xmlns:a14="http://schemas.microsoft.com/office/drawing/2010/main" val="0"/>
+              </a:ext>
+            </a:extLst>
+          </a:blip>
+          <a:srcRect/>
+          <a:stretch>
+            <a:fillRect/>
+          </a:stretch>
+        </p:blipFill>
+        <p:spPr bwMode="auto">
+          <a:xfrm>
+            <a:off x="3858827" y="3698605"/>
+            <a:ext cx="5317308" cy="3041911"/>
+          </a:xfrm>
+          <a:prstGeom prst="rect">
+            <a:avLst/>
+          </a:prstGeom>
+          <a:noFill/>
+          <a:effectLst>
+            <a:outerShdw blurRad="50800" dist="38100" dir="13500000" algn="br" rotWithShape="0">
+              <a:prstClr val="black">
+                <a:alpha val="40000"/>
+              </a:prstClr>
+            </a:outerShdw>
+          </a:effectLst>
+          <a:extLst>
+            <a:ext uri="{909E8E84-426E-40DD-AFC4-6F175D3DCCD1}">
+              <a14:hiddenFill xmlns:a14="http://schemas.microsoft.com/office/drawing/2010/main">
+                <a:solidFill>
+                  <a:srgbClr val="FFFFFF"/>
+                </a:solidFill>
+              </a14:hiddenFill>
+            </a:ext>
+          </a:extLst>
+        </p:spPr>
+      </p:pic>
     </p:spTree>
     <p:extLst>
       <p:ext uri="{BB962C8B-B14F-4D97-AF65-F5344CB8AC3E}">
-        <p14:creationId xmlns:p14="http://schemas.microsoft.com/office/powerpoint/2010/main" val="4179106292"/>
+        <p14:creationId xmlns:p14="http://schemas.microsoft.com/office/powerpoint/2010/main" val="1061408904"/>
+      </p:ext>
+    </p:extLst>
+  </p:cSld>
+  <p:clrMapOvr>
+    <a:masterClrMapping/>
+  </p:clrMapOvr>
+</p:sld>
+</file>
+
+<file path=ppt/slides/slide9.xml><?xml version="1.0" encoding="utf-8"?>
+<p:sld xmlns:a="http://schemas.openxmlformats.org/drawingml/2006/main" xmlns:r="http://schemas.openxmlformats.org/officeDocument/2006/relationships" xmlns:p="http://schemas.openxmlformats.org/presentationml/2006/main">
+  <p:cSld>
+    <p:spTree>
+      <p:nvGrpSpPr>
+        <p:cNvPr id="1" name=""/>
+        <p:cNvGrpSpPr/>
+        <p:nvPr/>
+      </p:nvGrpSpPr>
+      <p:grpSpPr>
+        <a:xfrm>
+          <a:off x="0" y="0"/>
+          <a:ext cx="0" cy="0"/>
+          <a:chOff x="0" y="0"/>
+          <a:chExt cx="0" cy="0"/>
+        </a:xfrm>
+      </p:grpSpPr>
+      <p:sp>
+        <p:nvSpPr>
+          <p:cNvPr id="2" name="Заголовок 1">
+            <a:extLst>
+              <a:ext uri="{FF2B5EF4-FFF2-40B4-BE49-F238E27FC236}">
+                <a16:creationId xmlns:a16="http://schemas.microsoft.com/office/drawing/2014/main" id="{EC4FFAEB-2E3D-4AA0-AFF0-6FD81C98C674}"/>
+              </a:ext>
+            </a:extLst>
+          </p:cNvPr>
+          <p:cNvSpPr>
+            <a:spLocks noGrp="1"/>
+          </p:cNvSpPr>
+          <p:nvPr>
+            <p:ph type="title"/>
+          </p:nvPr>
+        </p:nvSpPr>
+        <p:spPr/>
+        <p:txBody>
+          <a:bodyPr/>
+          <a:lstStyle/>
+          <a:p>
+            <a:r>
+              <a:rPr lang="ru-RU" dirty="0"/>
+              <a:t>Разделение </a:t>
+            </a:r>
+            <a:r>
+              <a:rPr lang="ru-RU" dirty="0" err="1"/>
+              <a:t>квизов</a:t>
+            </a:r>
+            <a:r>
+              <a:rPr lang="ru-RU" dirty="0"/>
+              <a:t> на категории через </a:t>
+            </a:r>
+            <a:r>
+              <a:rPr lang="ru-RU" dirty="0" err="1"/>
+              <a:t>бд</a:t>
+            </a:r>
+            <a:endParaRPr lang="ru-RU" dirty="0"/>
+          </a:p>
+        </p:txBody>
+      </p:sp>
+      <p:pic>
+        <p:nvPicPr>
+          <p:cNvPr id="3074" name="Picture 2" descr="https://cdn.discordapp.com/attachments/1115509243190181929/1115869925236543508/image.png">
+            <a:extLst>
+              <a:ext uri="{FF2B5EF4-FFF2-40B4-BE49-F238E27FC236}">
+                <a16:creationId xmlns:a16="http://schemas.microsoft.com/office/drawing/2014/main" id="{ACA602EB-4B1C-4B59-8532-5A2482540122}"/>
+              </a:ext>
+            </a:extLst>
+          </p:cNvPr>
+          <p:cNvPicPr>
+            <a:picLocks noChangeAspect="1" noChangeArrowheads="1"/>
+          </p:cNvPicPr>
+          <p:nvPr/>
+        </p:nvPicPr>
+        <p:blipFill>
+          <a:blip r:embed="rId2">
+            <a:extLst>
+              <a:ext uri="{28A0092B-C50C-407E-A947-70E740481C1C}">
+                <a14:useLocalDpi xmlns:a14="http://schemas.microsoft.com/office/drawing/2010/main" val="0"/>
+              </a:ext>
+            </a:extLst>
+          </a:blip>
+          <a:srcRect/>
+          <a:stretch>
+            <a:fillRect/>
+          </a:stretch>
+        </p:blipFill>
+        <p:spPr bwMode="auto">
+          <a:xfrm>
+            <a:off x="266332" y="1930400"/>
+            <a:ext cx="5753188" cy="2997202"/>
+          </a:xfrm>
+          <a:prstGeom prst="rect">
+            <a:avLst/>
+          </a:prstGeom>
+          <a:noFill/>
+          <a:effectLst>
+            <a:outerShdw blurRad="50800" dist="38100" dir="13500000" algn="br" rotWithShape="0">
+              <a:prstClr val="black">
+                <a:alpha val="40000"/>
+              </a:prstClr>
+            </a:outerShdw>
+          </a:effectLst>
+          <a:extLst>
+            <a:ext uri="{909E8E84-426E-40DD-AFC4-6F175D3DCCD1}">
+              <a14:hiddenFill xmlns:a14="http://schemas.microsoft.com/office/drawing/2010/main">
+                <a:solidFill>
+                  <a:srgbClr val="FFFFFF"/>
+                </a:solidFill>
+              </a14:hiddenFill>
+            </a:ext>
+          </a:extLst>
+        </p:spPr>
+      </p:pic>
+      <p:pic>
+        <p:nvPicPr>
+          <p:cNvPr id="3076" name="Picture 4" descr="https://cdn.discordapp.com/attachments/1115509243190181929/1115869925697933374/image.png">
+            <a:extLst>
+              <a:ext uri="{FF2B5EF4-FFF2-40B4-BE49-F238E27FC236}">
+                <a16:creationId xmlns:a16="http://schemas.microsoft.com/office/drawing/2014/main" id="{9412CC77-B78C-4E16-BD3F-C774D58F94D3}"/>
+              </a:ext>
+            </a:extLst>
+          </p:cNvPr>
+          <p:cNvPicPr>
+            <a:picLocks noChangeAspect="1" noChangeArrowheads="1"/>
+          </p:cNvPicPr>
+          <p:nvPr/>
+        </p:nvPicPr>
+        <p:blipFill>
+          <a:blip r:embed="rId3">
+            <a:extLst>
+              <a:ext uri="{28A0092B-C50C-407E-A947-70E740481C1C}">
+                <a14:useLocalDpi xmlns:a14="http://schemas.microsoft.com/office/drawing/2010/main" val="0"/>
+              </a:ext>
+            </a:extLst>
+          </a:blip>
+          <a:srcRect/>
+          <a:stretch>
+            <a:fillRect/>
+          </a:stretch>
+        </p:blipFill>
+        <p:spPr bwMode="auto">
+          <a:xfrm>
+            <a:off x="4190261" y="3659189"/>
+            <a:ext cx="6427953" cy="2997201"/>
+          </a:xfrm>
+          <a:prstGeom prst="rect">
+            <a:avLst/>
+          </a:prstGeom>
+          <a:noFill/>
+          <a:effectLst>
+            <a:outerShdw blurRad="50800" dist="38100" dir="13500000" algn="br" rotWithShape="0">
+              <a:prstClr val="black">
+                <a:alpha val="40000"/>
+              </a:prstClr>
+            </a:outerShdw>
+          </a:effectLst>
+          <a:extLst>
+            <a:ext uri="{909E8E84-426E-40DD-AFC4-6F175D3DCCD1}">
+              <a14:hiddenFill xmlns:a14="http://schemas.microsoft.com/office/drawing/2010/main">
+                <a:solidFill>
+                  <a:srgbClr val="FFFFFF"/>
+                </a:solidFill>
+              </a14:hiddenFill>
+            </a:ext>
+          </a:extLst>
+        </p:spPr>
+      </p:pic>
+    </p:spTree>
+    <p:extLst>
+      <p:ext uri="{BB962C8B-B14F-4D97-AF65-F5344CB8AC3E}">
+        <p14:creationId xmlns:p14="http://schemas.microsoft.com/office/powerpoint/2010/main" val="1319332260"/>
       </p:ext>
     </p:extLst>
   </p:cSld>
